--- a/day2/Spring.pptx
+++ b/day2/Spring.pptx
@@ -5,7 +5,7 @@
     <p:sldMasterId id="2147483648" r:id="rId1"/>
   </p:sldMasterIdLst>
   <p:notesMasterIdLst>
-    <p:notesMasterId r:id="rId15"/>
+    <p:notesMasterId r:id="rId21"/>
   </p:notesMasterIdLst>
   <p:sldIdLst>
     <p:sldId id="256" r:id="rId2"/>
@@ -20,7 +20,13 @@
     <p:sldId id="507" r:id="rId11"/>
     <p:sldId id="508" r:id="rId12"/>
     <p:sldId id="509" r:id="rId13"/>
-    <p:sldId id="446" r:id="rId14"/>
+    <p:sldId id="510" r:id="rId14"/>
+    <p:sldId id="511" r:id="rId15"/>
+    <p:sldId id="512" r:id="rId16"/>
+    <p:sldId id="513" r:id="rId17"/>
+    <p:sldId id="514" r:id="rId18"/>
+    <p:sldId id="515" r:id="rId19"/>
+    <p:sldId id="446" r:id="rId20"/>
   </p:sldIdLst>
   <p:sldSz cx="12192000" cy="6858000"/>
   <p:notesSz cx="6858000" cy="9144000"/>
@@ -221,7 +227,7 @@
             <a:fld id="{3A38CD94-176D-4119-80F9-05F0E1DE1C0E}" type="datetimeFigureOut">
               <a:rPr lang="en-US" smtClean="0"/>
               <a:pPr/>
-              <a:t>1/21/2020</a:t>
+              <a:t>1/22/2020</a:t>
             </a:fld>
             <a:endParaRPr lang="en-US"/>
           </a:p>
@@ -639,7 +645,7 @@
             <a:fld id="{B3B48485-EDEB-4E5A-BB3A-BC2391E627B4}" type="datetimeFigureOut">
               <a:rPr lang="en-IN" smtClean="0"/>
               <a:pPr/>
-              <a:t>21-01-2020</a:t>
+              <a:t>22-01-2020</a:t>
             </a:fld>
             <a:endParaRPr lang="en-IN"/>
           </a:p>
@@ -841,7 +847,7 @@
             <a:fld id="{B3B48485-EDEB-4E5A-BB3A-BC2391E627B4}" type="datetimeFigureOut">
               <a:rPr lang="en-IN" smtClean="0"/>
               <a:pPr/>
-              <a:t>21-01-2020</a:t>
+              <a:t>22-01-2020</a:t>
             </a:fld>
             <a:endParaRPr lang="en-IN"/>
           </a:p>
@@ -1053,7 +1059,7 @@
             <a:fld id="{B3B48485-EDEB-4E5A-BB3A-BC2391E627B4}" type="datetimeFigureOut">
               <a:rPr lang="en-IN" smtClean="0"/>
               <a:pPr/>
-              <a:t>21-01-2020</a:t>
+              <a:t>22-01-2020</a:t>
             </a:fld>
             <a:endParaRPr lang="en-IN"/>
           </a:p>
@@ -1255,7 +1261,7 @@
             <a:fld id="{B3B48485-EDEB-4E5A-BB3A-BC2391E627B4}" type="datetimeFigureOut">
               <a:rPr lang="en-IN" smtClean="0"/>
               <a:pPr/>
-              <a:t>21-01-2020</a:t>
+              <a:t>22-01-2020</a:t>
             </a:fld>
             <a:endParaRPr lang="en-IN"/>
           </a:p>
@@ -1533,7 +1539,7 @@
             <a:fld id="{B3B48485-EDEB-4E5A-BB3A-BC2391E627B4}" type="datetimeFigureOut">
               <a:rPr lang="en-IN" smtClean="0"/>
               <a:pPr/>
-              <a:t>21-01-2020</a:t>
+              <a:t>22-01-2020</a:t>
             </a:fld>
             <a:endParaRPr lang="en-IN"/>
           </a:p>
@@ -1803,7 +1809,7 @@
             <a:fld id="{B3B48485-EDEB-4E5A-BB3A-BC2391E627B4}" type="datetimeFigureOut">
               <a:rPr lang="en-IN" smtClean="0"/>
               <a:pPr/>
-              <a:t>21-01-2020</a:t>
+              <a:t>22-01-2020</a:t>
             </a:fld>
             <a:endParaRPr lang="en-IN"/>
           </a:p>
@@ -2220,7 +2226,7 @@
             <a:fld id="{B3B48485-EDEB-4E5A-BB3A-BC2391E627B4}" type="datetimeFigureOut">
               <a:rPr lang="en-IN" smtClean="0"/>
               <a:pPr/>
-              <a:t>21-01-2020</a:t>
+              <a:t>22-01-2020</a:t>
             </a:fld>
             <a:endParaRPr lang="en-IN"/>
           </a:p>
@@ -2364,7 +2370,7 @@
             <a:fld id="{B3B48485-EDEB-4E5A-BB3A-BC2391E627B4}" type="datetimeFigureOut">
               <a:rPr lang="en-IN" smtClean="0"/>
               <a:pPr/>
-              <a:t>21-01-2020</a:t>
+              <a:t>22-01-2020</a:t>
             </a:fld>
             <a:endParaRPr lang="en-IN"/>
           </a:p>
@@ -2479,7 +2485,7 @@
             <a:fld id="{B3B48485-EDEB-4E5A-BB3A-BC2391E627B4}" type="datetimeFigureOut">
               <a:rPr lang="en-IN" smtClean="0"/>
               <a:pPr/>
-              <a:t>21-01-2020</a:t>
+              <a:t>22-01-2020</a:t>
             </a:fld>
             <a:endParaRPr lang="en-IN"/>
           </a:p>
@@ -2794,7 +2800,7 @@
             <a:fld id="{B3B48485-EDEB-4E5A-BB3A-BC2391E627B4}" type="datetimeFigureOut">
               <a:rPr lang="en-IN" smtClean="0"/>
               <a:pPr/>
-              <a:t>21-01-2020</a:t>
+              <a:t>22-01-2020</a:t>
             </a:fld>
             <a:endParaRPr lang="en-IN"/>
           </a:p>
@@ -3085,7 +3091,7 @@
             <a:fld id="{B3B48485-EDEB-4E5A-BB3A-BC2391E627B4}" type="datetimeFigureOut">
               <a:rPr lang="en-IN" smtClean="0"/>
               <a:pPr/>
-              <a:t>21-01-2020</a:t>
+              <a:t>22-01-2020</a:t>
             </a:fld>
             <a:endParaRPr lang="en-IN"/>
           </a:p>
@@ -3330,7 +3336,7 @@
             <a:fld id="{B3B48485-EDEB-4E5A-BB3A-BC2391E627B4}" type="datetimeFigureOut">
               <a:rPr lang="en-IN" smtClean="0"/>
               <a:pPr/>
-              <a:t>21-01-2020</a:t>
+              <a:t>22-01-2020</a:t>
             </a:fld>
             <a:endParaRPr lang="en-IN"/>
           </a:p>
@@ -3771,7 +3777,7 @@
           <a:p>
             <a:r>
               <a:rPr lang="en-IN" dirty="0"/>
-              <a:t>Spring</a:t>
+              <a:t>Spring and Spring Boot</a:t>
             </a:r>
           </a:p>
         </p:txBody>
@@ -4202,7 +4208,7 @@
           </p:nvPr>
         </p:nvPicPr>
         <p:blipFill>
-          <a:blip r:embed="rId3">
+          <a:blip r:embed="rId2">
             <a:extLst>
               <a:ext uri="{28A0092B-C50C-407E-A947-70E740481C1C}">
                 <a14:useLocalDpi xmlns:a14="http://schemas.microsoft.com/office/drawing/2010/main" val="0"/>
@@ -4280,6 +4286,1112 @@
             <p:ph type="title"/>
           </p:nvPr>
         </p:nvSpPr>
+        <p:spPr/>
+        <p:txBody>
+          <a:bodyPr/>
+          <a:lstStyle/>
+          <a:p>
+            <a:r>
+              <a:rPr lang="en-US" dirty="0"/>
+              <a:t>Spring Boot</a:t>
+            </a:r>
+            <a:br>
+              <a:rPr lang="en-US" dirty="0"/>
+            </a:br>
+            <a:endParaRPr lang="en-US" dirty="0"/>
+          </a:p>
+        </p:txBody>
+      </p:sp>
+      <p:sp>
+        <p:nvSpPr>
+          <p:cNvPr id="4" name="Content Placeholder 3">
+            <a:extLst>
+              <a:ext uri="{FF2B5EF4-FFF2-40B4-BE49-F238E27FC236}">
+                <a16:creationId xmlns:a16="http://schemas.microsoft.com/office/drawing/2014/main" id="{9AA34AB3-D733-4DB6-90BC-691DFFA5C673}"/>
+              </a:ext>
+            </a:extLst>
+          </p:cNvPr>
+          <p:cNvSpPr>
+            <a:spLocks noGrp="1"/>
+          </p:cNvSpPr>
+          <p:nvPr>
+            <p:ph idx="1"/>
+          </p:nvPr>
+        </p:nvSpPr>
+        <p:spPr>
+          <a:xfrm>
+            <a:off x="611957" y="1825624"/>
+            <a:ext cx="10515600" cy="4351338"/>
+          </a:xfrm>
+        </p:spPr>
+        <p:txBody>
+          <a:bodyPr/>
+          <a:lstStyle/>
+          <a:p>
+            <a:r>
+              <a:rPr lang="en-US" dirty="0"/>
+              <a:t>Spring Boot is a Spring module that provides the RAD (Rapid Application Development) feature to the Spring framework.</a:t>
+            </a:r>
+          </a:p>
+          <a:p>
+            <a:r>
+              <a:rPr lang="en-US" dirty="0"/>
+              <a:t>Our Spring Boot Tutorial includes all topics of Spring Boot such, as features, project, maven project, starter project wizard, Spring </a:t>
+            </a:r>
+            <a:r>
+              <a:rPr lang="en-US" dirty="0" err="1"/>
+              <a:t>Initializr</a:t>
+            </a:r>
+            <a:r>
+              <a:rPr lang="en-US" dirty="0"/>
+              <a:t>, CLI, applications, annotations, dependency management, properties, starters, Actuator, JPA, JDBC, etc.</a:t>
+            </a:r>
+          </a:p>
+          <a:p>
+            <a:endParaRPr lang="en-US" dirty="0"/>
+          </a:p>
+        </p:txBody>
+      </p:sp>
+      <p:pic>
+        <p:nvPicPr>
+          <p:cNvPr id="5122" name="Picture 2" descr="What is Spring Boot">
+            <a:extLst>
+              <a:ext uri="{FF2B5EF4-FFF2-40B4-BE49-F238E27FC236}">
+                <a16:creationId xmlns:a16="http://schemas.microsoft.com/office/drawing/2014/main" id="{121BE07D-2350-48CB-8018-6505CA408BAB}"/>
+              </a:ext>
+            </a:extLst>
+          </p:cNvPr>
+          <p:cNvPicPr>
+            <a:picLocks noChangeAspect="1" noChangeArrowheads="1"/>
+          </p:cNvPicPr>
+          <p:nvPr/>
+        </p:nvPicPr>
+        <p:blipFill>
+          <a:blip r:embed="rId2">
+            <a:extLst>
+              <a:ext uri="{28A0092B-C50C-407E-A947-70E740481C1C}">
+                <a14:useLocalDpi xmlns:a14="http://schemas.microsoft.com/office/drawing/2010/main" val="0"/>
+              </a:ext>
+            </a:extLst>
+          </a:blip>
+          <a:srcRect/>
+          <a:stretch>
+            <a:fillRect/>
+          </a:stretch>
+        </p:blipFill>
+        <p:spPr bwMode="auto">
+          <a:xfrm>
+            <a:off x="2059757" y="4470133"/>
+            <a:ext cx="7620000" cy="1933575"/>
+          </a:xfrm>
+          <a:prstGeom prst="rect">
+            <a:avLst/>
+          </a:prstGeom>
+          <a:noFill/>
+          <a:extLst>
+            <a:ext uri="{909E8E84-426E-40DD-AFC4-6F175D3DCCD1}">
+              <a14:hiddenFill xmlns:a14="http://schemas.microsoft.com/office/drawing/2010/main">
+                <a:solidFill>
+                  <a:srgbClr val="FFFFFF"/>
+                </a:solidFill>
+              </a14:hiddenFill>
+            </a:ext>
+          </a:extLst>
+        </p:spPr>
+      </p:pic>
+    </p:spTree>
+    <p:extLst>
+      <p:ext uri="{BB962C8B-B14F-4D97-AF65-F5344CB8AC3E}">
+        <p14:creationId xmlns:p14="http://schemas.microsoft.com/office/powerpoint/2010/main" val="2999262460"/>
+      </p:ext>
+    </p:extLst>
+  </p:cSld>
+  <p:clrMapOvr>
+    <a:masterClrMapping/>
+  </p:clrMapOvr>
+</p:sld>
+</file>
+
+<file path=ppt/slides/slide14.xml><?xml version="1.0" encoding="utf-8"?>
+<p:sld xmlns:a="http://schemas.openxmlformats.org/drawingml/2006/main" xmlns:r="http://schemas.openxmlformats.org/officeDocument/2006/relationships" xmlns:p="http://schemas.openxmlformats.org/presentationml/2006/main">
+  <p:cSld>
+    <p:spTree>
+      <p:nvGrpSpPr>
+        <p:cNvPr id="1" name=""/>
+        <p:cNvGrpSpPr/>
+        <p:nvPr/>
+      </p:nvGrpSpPr>
+      <p:grpSpPr>
+        <a:xfrm>
+          <a:off x="0" y="0"/>
+          <a:ext cx="0" cy="0"/>
+          <a:chOff x="0" y="0"/>
+          <a:chExt cx="0" cy="0"/>
+        </a:xfrm>
+      </p:grpSpPr>
+      <p:sp>
+        <p:nvSpPr>
+          <p:cNvPr id="2" name="Title 1">
+            <a:extLst>
+              <a:ext uri="{FF2B5EF4-FFF2-40B4-BE49-F238E27FC236}">
+                <a16:creationId xmlns:a16="http://schemas.microsoft.com/office/drawing/2014/main" id="{E1A9363A-F999-4F1C-A157-8DDECEB7BD31}"/>
+              </a:ext>
+            </a:extLst>
+          </p:cNvPr>
+          <p:cNvSpPr>
+            <a:spLocks noGrp="1"/>
+          </p:cNvSpPr>
+          <p:nvPr>
+            <p:ph type="title"/>
+          </p:nvPr>
+        </p:nvSpPr>
+        <p:spPr/>
+        <p:txBody>
+          <a:bodyPr/>
+          <a:lstStyle/>
+          <a:p>
+            <a:r>
+              <a:rPr lang="en-US" dirty="0"/>
+              <a:t>Spring Boot</a:t>
+            </a:r>
+            <a:br>
+              <a:rPr lang="en-US" dirty="0"/>
+            </a:br>
+            <a:endParaRPr lang="en-US" dirty="0"/>
+          </a:p>
+        </p:txBody>
+      </p:sp>
+      <p:sp>
+        <p:nvSpPr>
+          <p:cNvPr id="4" name="Content Placeholder 3">
+            <a:extLst>
+              <a:ext uri="{FF2B5EF4-FFF2-40B4-BE49-F238E27FC236}">
+                <a16:creationId xmlns:a16="http://schemas.microsoft.com/office/drawing/2014/main" id="{9AA34AB3-D733-4DB6-90BC-691DFFA5C673}"/>
+              </a:ext>
+            </a:extLst>
+          </p:cNvPr>
+          <p:cNvSpPr>
+            <a:spLocks noGrp="1"/>
+          </p:cNvSpPr>
+          <p:nvPr>
+            <p:ph idx="1"/>
+          </p:nvPr>
+        </p:nvSpPr>
+        <p:spPr>
+          <a:xfrm>
+            <a:off x="611957" y="1825624"/>
+            <a:ext cx="10515600" cy="4351338"/>
+          </a:xfrm>
+        </p:spPr>
+        <p:txBody>
+          <a:bodyPr/>
+          <a:lstStyle/>
+          <a:p>
+            <a:r>
+              <a:rPr lang="en-US" b="1" dirty="0"/>
+              <a:t>Why should we use Spring Boot Framework?</a:t>
+            </a:r>
+            <a:endParaRPr lang="en-US" dirty="0"/>
+          </a:p>
+          <a:p>
+            <a:r>
+              <a:rPr lang="en-US" dirty="0"/>
+              <a:t>We should use Spring Boot Framework because:</a:t>
+            </a:r>
+          </a:p>
+          <a:p>
+            <a:r>
+              <a:rPr lang="en-US" dirty="0"/>
+              <a:t>The dependency injection approach is used in Spring Boot.</a:t>
+            </a:r>
+          </a:p>
+          <a:p>
+            <a:r>
+              <a:rPr lang="en-US" dirty="0"/>
+              <a:t>It contains powerful database transaction management capabilities.</a:t>
+            </a:r>
+          </a:p>
+          <a:p>
+            <a:r>
+              <a:rPr lang="en-US" dirty="0"/>
+              <a:t>It simplifies integration with other Java frameworks like JPA/Hibernate ORM, Struts, etc.</a:t>
+            </a:r>
+          </a:p>
+          <a:p>
+            <a:r>
+              <a:rPr lang="en-US" dirty="0"/>
+              <a:t>It reduces the cost and development time of the application.</a:t>
+            </a:r>
+          </a:p>
+          <a:p>
+            <a:endParaRPr lang="en-US" dirty="0"/>
+          </a:p>
+        </p:txBody>
+      </p:sp>
+    </p:spTree>
+    <p:extLst>
+      <p:ext uri="{BB962C8B-B14F-4D97-AF65-F5344CB8AC3E}">
+        <p14:creationId xmlns:p14="http://schemas.microsoft.com/office/powerpoint/2010/main" val="4231401015"/>
+      </p:ext>
+    </p:extLst>
+  </p:cSld>
+  <p:clrMapOvr>
+    <a:masterClrMapping/>
+  </p:clrMapOvr>
+</p:sld>
+</file>
+
+<file path=ppt/slides/slide15.xml><?xml version="1.0" encoding="utf-8"?>
+<p:sld xmlns:a="http://schemas.openxmlformats.org/drawingml/2006/main" xmlns:r="http://schemas.openxmlformats.org/officeDocument/2006/relationships" xmlns:p="http://schemas.openxmlformats.org/presentationml/2006/main">
+  <p:cSld>
+    <p:spTree>
+      <p:nvGrpSpPr>
+        <p:cNvPr id="1" name=""/>
+        <p:cNvGrpSpPr/>
+        <p:nvPr/>
+      </p:nvGrpSpPr>
+      <p:grpSpPr>
+        <a:xfrm>
+          <a:off x="0" y="0"/>
+          <a:ext cx="0" cy="0"/>
+          <a:chOff x="0" y="0"/>
+          <a:chExt cx="0" cy="0"/>
+        </a:xfrm>
+      </p:grpSpPr>
+      <p:sp>
+        <p:nvSpPr>
+          <p:cNvPr id="2" name="Title 1">
+            <a:extLst>
+              <a:ext uri="{FF2B5EF4-FFF2-40B4-BE49-F238E27FC236}">
+                <a16:creationId xmlns:a16="http://schemas.microsoft.com/office/drawing/2014/main" id="{E1A9363A-F999-4F1C-A157-8DDECEB7BD31}"/>
+              </a:ext>
+            </a:extLst>
+          </p:cNvPr>
+          <p:cNvSpPr>
+            <a:spLocks noGrp="1"/>
+          </p:cNvSpPr>
+          <p:nvPr>
+            <p:ph type="title"/>
+          </p:nvPr>
+        </p:nvSpPr>
+        <p:spPr/>
+        <p:txBody>
+          <a:bodyPr/>
+          <a:lstStyle/>
+          <a:p>
+            <a:r>
+              <a:rPr lang="en-US" dirty="0"/>
+              <a:t>Spring Boot</a:t>
+            </a:r>
+            <a:br>
+              <a:rPr lang="en-US" dirty="0"/>
+            </a:br>
+            <a:endParaRPr lang="en-US" dirty="0"/>
+          </a:p>
+        </p:txBody>
+      </p:sp>
+      <p:sp>
+        <p:nvSpPr>
+          <p:cNvPr id="4" name="Content Placeholder 3">
+            <a:extLst>
+              <a:ext uri="{FF2B5EF4-FFF2-40B4-BE49-F238E27FC236}">
+                <a16:creationId xmlns:a16="http://schemas.microsoft.com/office/drawing/2014/main" id="{9AA34AB3-D733-4DB6-90BC-691DFFA5C673}"/>
+              </a:ext>
+            </a:extLst>
+          </p:cNvPr>
+          <p:cNvSpPr>
+            <a:spLocks noGrp="1"/>
+          </p:cNvSpPr>
+          <p:nvPr>
+            <p:ph idx="1"/>
+          </p:nvPr>
+        </p:nvSpPr>
+        <p:spPr>
+          <a:xfrm>
+            <a:off x="611957" y="1825624"/>
+            <a:ext cx="10515600" cy="4351338"/>
+          </a:xfrm>
+        </p:spPr>
+        <p:txBody>
+          <a:bodyPr>
+            <a:normAutofit fontScale="92500"/>
+          </a:bodyPr>
+          <a:lstStyle/>
+          <a:p>
+            <a:r>
+              <a:rPr lang="en-US" b="1" dirty="0"/>
+              <a:t>Other Projects</a:t>
+            </a:r>
+          </a:p>
+          <a:p>
+            <a:r>
+              <a:rPr lang="en-US" b="1" dirty="0"/>
+              <a:t>Spring Data:</a:t>
+            </a:r>
+            <a:r>
+              <a:rPr lang="en-US" dirty="0"/>
+              <a:t> It simplifies data access from the relational and </a:t>
+            </a:r>
+            <a:r>
+              <a:rPr lang="en-US" b="1" dirty="0"/>
+              <a:t>NoSQL</a:t>
+            </a:r>
+            <a:r>
+              <a:rPr lang="en-US" dirty="0"/>
+              <a:t> databases.</a:t>
+            </a:r>
+          </a:p>
+          <a:p>
+            <a:r>
+              <a:rPr lang="en-US" b="1" dirty="0"/>
+              <a:t>Spring Batch:</a:t>
+            </a:r>
+            <a:r>
+              <a:rPr lang="en-US" dirty="0"/>
+              <a:t> It provides powerful </a:t>
+            </a:r>
+            <a:r>
+              <a:rPr lang="en-US" b="1" dirty="0"/>
+              <a:t>batch</a:t>
+            </a:r>
+            <a:r>
+              <a:rPr lang="en-US" dirty="0"/>
+              <a:t> processing.</a:t>
+            </a:r>
+          </a:p>
+          <a:p>
+            <a:r>
+              <a:rPr lang="en-US" b="1" dirty="0"/>
+              <a:t>Spring Security:</a:t>
+            </a:r>
+            <a:r>
+              <a:rPr lang="en-US" dirty="0"/>
+              <a:t> It is a security framework that provides robust </a:t>
+            </a:r>
+            <a:r>
+              <a:rPr lang="en-US" b="1" dirty="0"/>
+              <a:t>security</a:t>
+            </a:r>
+            <a:r>
+              <a:rPr lang="en-US" dirty="0"/>
+              <a:t> to applications.</a:t>
+            </a:r>
+          </a:p>
+          <a:p>
+            <a:r>
+              <a:rPr lang="en-US" b="1" dirty="0"/>
+              <a:t>Spring Social:</a:t>
+            </a:r>
+            <a:r>
+              <a:rPr lang="en-US" dirty="0"/>
+              <a:t> It supports integration with </a:t>
+            </a:r>
+            <a:r>
+              <a:rPr lang="en-US" b="1" dirty="0"/>
+              <a:t>social networking</a:t>
+            </a:r>
+            <a:r>
+              <a:rPr lang="en-US" dirty="0"/>
+              <a:t> like LinkedIn.</a:t>
+            </a:r>
+          </a:p>
+          <a:p>
+            <a:r>
+              <a:rPr lang="en-US" b="1" dirty="0"/>
+              <a:t>Spring Integration:</a:t>
+            </a:r>
+            <a:r>
+              <a:rPr lang="en-US" dirty="0"/>
+              <a:t> It is an implementation of Enterprise Integration Patterns. It facilitates integration with other </a:t>
+            </a:r>
+            <a:r>
+              <a:rPr lang="en-US" b="1" dirty="0"/>
+              <a:t>enterprise applications</a:t>
+            </a:r>
+            <a:r>
+              <a:rPr lang="en-US" dirty="0"/>
+              <a:t> using lightweight messaging and declarative adapters.</a:t>
+            </a:r>
+          </a:p>
+          <a:p>
+            <a:endParaRPr lang="en-US" dirty="0"/>
+          </a:p>
+        </p:txBody>
+      </p:sp>
+    </p:spTree>
+    <p:extLst>
+      <p:ext uri="{BB962C8B-B14F-4D97-AF65-F5344CB8AC3E}">
+        <p14:creationId xmlns:p14="http://schemas.microsoft.com/office/powerpoint/2010/main" val="3946240532"/>
+      </p:ext>
+    </p:extLst>
+  </p:cSld>
+  <p:clrMapOvr>
+    <a:masterClrMapping/>
+  </p:clrMapOvr>
+</p:sld>
+</file>
+
+<file path=ppt/slides/slide16.xml><?xml version="1.0" encoding="utf-8"?>
+<p:sld xmlns:a="http://schemas.openxmlformats.org/drawingml/2006/main" xmlns:r="http://schemas.openxmlformats.org/officeDocument/2006/relationships" xmlns:p="http://schemas.openxmlformats.org/presentationml/2006/main">
+  <p:cSld>
+    <p:spTree>
+      <p:nvGrpSpPr>
+        <p:cNvPr id="1" name=""/>
+        <p:cNvGrpSpPr/>
+        <p:nvPr/>
+      </p:nvGrpSpPr>
+      <p:grpSpPr>
+        <a:xfrm>
+          <a:off x="0" y="0"/>
+          <a:ext cx="0" cy="0"/>
+          <a:chOff x="0" y="0"/>
+          <a:chExt cx="0" cy="0"/>
+        </a:xfrm>
+      </p:grpSpPr>
+      <p:sp>
+        <p:nvSpPr>
+          <p:cNvPr id="2" name="Title 1">
+            <a:extLst>
+              <a:ext uri="{FF2B5EF4-FFF2-40B4-BE49-F238E27FC236}">
+                <a16:creationId xmlns:a16="http://schemas.microsoft.com/office/drawing/2014/main" id="{E1A9363A-F999-4F1C-A157-8DDECEB7BD31}"/>
+              </a:ext>
+            </a:extLst>
+          </p:cNvPr>
+          <p:cNvSpPr>
+            <a:spLocks noGrp="1"/>
+          </p:cNvSpPr>
+          <p:nvPr>
+            <p:ph type="title"/>
+          </p:nvPr>
+        </p:nvSpPr>
+        <p:spPr/>
+        <p:txBody>
+          <a:bodyPr/>
+          <a:lstStyle/>
+          <a:p>
+            <a:r>
+              <a:rPr lang="en-US" dirty="0"/>
+              <a:t>Spring Boot</a:t>
+            </a:r>
+            <a:br>
+              <a:rPr lang="en-US" dirty="0"/>
+            </a:br>
+            <a:endParaRPr lang="en-US" dirty="0"/>
+          </a:p>
+        </p:txBody>
+      </p:sp>
+      <p:sp>
+        <p:nvSpPr>
+          <p:cNvPr id="4" name="Content Placeholder 3">
+            <a:extLst>
+              <a:ext uri="{FF2B5EF4-FFF2-40B4-BE49-F238E27FC236}">
+                <a16:creationId xmlns:a16="http://schemas.microsoft.com/office/drawing/2014/main" id="{9AA34AB3-D733-4DB6-90BC-691DFFA5C673}"/>
+              </a:ext>
+            </a:extLst>
+          </p:cNvPr>
+          <p:cNvSpPr>
+            <a:spLocks noGrp="1"/>
+          </p:cNvSpPr>
+          <p:nvPr>
+            <p:ph idx="1"/>
+          </p:nvPr>
+        </p:nvSpPr>
+        <p:spPr>
+          <a:xfrm>
+            <a:off x="611957" y="1825624"/>
+            <a:ext cx="10515600" cy="4351338"/>
+          </a:xfrm>
+        </p:spPr>
+        <p:txBody>
+          <a:bodyPr>
+            <a:normAutofit fontScale="92500"/>
+          </a:bodyPr>
+          <a:lstStyle/>
+          <a:p>
+            <a:r>
+              <a:rPr lang="en-US" b="1" dirty="0"/>
+              <a:t>Other Projects</a:t>
+            </a:r>
+          </a:p>
+          <a:p>
+            <a:r>
+              <a:rPr lang="en-US" b="1" dirty="0"/>
+              <a:t>Spring Data:</a:t>
+            </a:r>
+            <a:r>
+              <a:rPr lang="en-US" dirty="0"/>
+              <a:t> It simplifies data access from the relational and </a:t>
+            </a:r>
+            <a:r>
+              <a:rPr lang="en-US" b="1" dirty="0"/>
+              <a:t>NoSQL</a:t>
+            </a:r>
+            <a:r>
+              <a:rPr lang="en-US" dirty="0"/>
+              <a:t> databases.</a:t>
+            </a:r>
+          </a:p>
+          <a:p>
+            <a:r>
+              <a:rPr lang="en-US" b="1" dirty="0"/>
+              <a:t>Spring Batch:</a:t>
+            </a:r>
+            <a:r>
+              <a:rPr lang="en-US" dirty="0"/>
+              <a:t> It provides powerful </a:t>
+            </a:r>
+            <a:r>
+              <a:rPr lang="en-US" b="1" dirty="0"/>
+              <a:t>batch</a:t>
+            </a:r>
+            <a:r>
+              <a:rPr lang="en-US" dirty="0"/>
+              <a:t> processing.</a:t>
+            </a:r>
+          </a:p>
+          <a:p>
+            <a:r>
+              <a:rPr lang="en-US" b="1" dirty="0"/>
+              <a:t>Spring Security:</a:t>
+            </a:r>
+            <a:r>
+              <a:rPr lang="en-US" dirty="0"/>
+              <a:t> It is a security framework that provides robust </a:t>
+            </a:r>
+            <a:r>
+              <a:rPr lang="en-US" b="1" dirty="0"/>
+              <a:t>security</a:t>
+            </a:r>
+            <a:r>
+              <a:rPr lang="en-US" dirty="0"/>
+              <a:t> to applications.</a:t>
+            </a:r>
+          </a:p>
+          <a:p>
+            <a:r>
+              <a:rPr lang="en-US" b="1" dirty="0"/>
+              <a:t>Spring Social:</a:t>
+            </a:r>
+            <a:r>
+              <a:rPr lang="en-US" dirty="0"/>
+              <a:t> It supports integration with </a:t>
+            </a:r>
+            <a:r>
+              <a:rPr lang="en-US" b="1" dirty="0"/>
+              <a:t>social networking</a:t>
+            </a:r>
+            <a:r>
+              <a:rPr lang="en-US" dirty="0"/>
+              <a:t> like LinkedIn.</a:t>
+            </a:r>
+          </a:p>
+          <a:p>
+            <a:r>
+              <a:rPr lang="en-US" b="1" dirty="0"/>
+              <a:t>Spring Integration:</a:t>
+            </a:r>
+            <a:r>
+              <a:rPr lang="en-US" dirty="0"/>
+              <a:t> It is an implementation of Enterprise Integration Patterns. It facilitates integration with other </a:t>
+            </a:r>
+            <a:r>
+              <a:rPr lang="en-US" b="1" dirty="0"/>
+              <a:t>enterprise applications</a:t>
+            </a:r>
+            <a:r>
+              <a:rPr lang="en-US" dirty="0"/>
+              <a:t> using lightweight messaging and declarative adapters.</a:t>
+            </a:r>
+          </a:p>
+          <a:p>
+            <a:endParaRPr lang="en-US" dirty="0"/>
+          </a:p>
+        </p:txBody>
+      </p:sp>
+    </p:spTree>
+    <p:extLst>
+      <p:ext uri="{BB962C8B-B14F-4D97-AF65-F5344CB8AC3E}">
+        <p14:creationId xmlns:p14="http://schemas.microsoft.com/office/powerpoint/2010/main" val="2553104930"/>
+      </p:ext>
+    </p:extLst>
+  </p:cSld>
+  <p:clrMapOvr>
+    <a:masterClrMapping/>
+  </p:clrMapOvr>
+</p:sld>
+</file>
+
+<file path=ppt/slides/slide17.xml><?xml version="1.0" encoding="utf-8"?>
+<p:sld xmlns:a="http://schemas.openxmlformats.org/drawingml/2006/main" xmlns:r="http://schemas.openxmlformats.org/officeDocument/2006/relationships" xmlns:p="http://schemas.openxmlformats.org/presentationml/2006/main">
+  <p:cSld>
+    <p:spTree>
+      <p:nvGrpSpPr>
+        <p:cNvPr id="1" name=""/>
+        <p:cNvGrpSpPr/>
+        <p:nvPr/>
+      </p:nvGrpSpPr>
+      <p:grpSpPr>
+        <a:xfrm>
+          <a:off x="0" y="0"/>
+          <a:ext cx="0" cy="0"/>
+          <a:chOff x="0" y="0"/>
+          <a:chExt cx="0" cy="0"/>
+        </a:xfrm>
+      </p:grpSpPr>
+      <p:sp>
+        <p:nvSpPr>
+          <p:cNvPr id="2" name="Title 1">
+            <a:extLst>
+              <a:ext uri="{FF2B5EF4-FFF2-40B4-BE49-F238E27FC236}">
+                <a16:creationId xmlns:a16="http://schemas.microsoft.com/office/drawing/2014/main" id="{E1A9363A-F999-4F1C-A157-8DDECEB7BD31}"/>
+              </a:ext>
+            </a:extLst>
+          </p:cNvPr>
+          <p:cNvSpPr>
+            <a:spLocks noGrp="1"/>
+          </p:cNvSpPr>
+          <p:nvPr>
+            <p:ph type="title"/>
+          </p:nvPr>
+        </p:nvSpPr>
+        <p:spPr/>
+        <p:txBody>
+          <a:bodyPr/>
+          <a:lstStyle/>
+          <a:p>
+            <a:r>
+              <a:rPr lang="en-US" dirty="0"/>
+              <a:t>Spring Boot</a:t>
+            </a:r>
+            <a:br>
+              <a:rPr lang="en-US" dirty="0"/>
+            </a:br>
+            <a:endParaRPr lang="en-US" dirty="0"/>
+          </a:p>
+        </p:txBody>
+      </p:sp>
+      <p:sp>
+        <p:nvSpPr>
+          <p:cNvPr id="4" name="Content Placeholder 3">
+            <a:extLst>
+              <a:ext uri="{FF2B5EF4-FFF2-40B4-BE49-F238E27FC236}">
+                <a16:creationId xmlns:a16="http://schemas.microsoft.com/office/drawing/2014/main" id="{9AA34AB3-D733-4DB6-90BC-691DFFA5C673}"/>
+              </a:ext>
+            </a:extLst>
+          </p:cNvPr>
+          <p:cNvSpPr>
+            <a:spLocks noGrp="1"/>
+          </p:cNvSpPr>
+          <p:nvPr>
+            <p:ph idx="1"/>
+          </p:nvPr>
+        </p:nvSpPr>
+        <p:spPr>
+          <a:xfrm>
+            <a:off x="611957" y="1825624"/>
+            <a:ext cx="10515600" cy="4351338"/>
+          </a:xfrm>
+        </p:spPr>
+        <p:txBody>
+          <a:bodyPr>
+            <a:normAutofit fontScale="77500" lnSpcReduction="20000"/>
+          </a:bodyPr>
+          <a:lstStyle/>
+          <a:p>
+            <a:r>
+              <a:rPr lang="en-US" dirty="0"/>
+              <a:t>Advantages of Spring Boot</a:t>
+            </a:r>
+          </a:p>
+          <a:p>
+            <a:r>
+              <a:rPr lang="en-US" dirty="0"/>
+              <a:t>It creates </a:t>
+            </a:r>
+            <a:r>
+              <a:rPr lang="en-US" b="1" dirty="0"/>
+              <a:t>stand-alone</a:t>
+            </a:r>
+            <a:r>
+              <a:rPr lang="en-US" dirty="0"/>
+              <a:t> Spring applications that can be started using Java </a:t>
+            </a:r>
+            <a:r>
+              <a:rPr lang="en-US" b="1" dirty="0"/>
+              <a:t>-jar</a:t>
+            </a:r>
+            <a:r>
+              <a:rPr lang="en-US" dirty="0"/>
+              <a:t>.</a:t>
+            </a:r>
+          </a:p>
+          <a:p>
+            <a:r>
+              <a:rPr lang="en-US" dirty="0"/>
+              <a:t>It tests web applications easily with the help of different </a:t>
+            </a:r>
+            <a:r>
+              <a:rPr lang="en-US" b="1" dirty="0"/>
+              <a:t>Embedded</a:t>
+            </a:r>
+            <a:r>
+              <a:rPr lang="en-US" dirty="0"/>
+              <a:t> HTTP servers such as </a:t>
+            </a:r>
+            <a:r>
+              <a:rPr lang="en-US" b="1" dirty="0"/>
+              <a:t>Tomcat, Jetty,</a:t>
+            </a:r>
+            <a:r>
+              <a:rPr lang="en-US" dirty="0"/>
+              <a:t> etc. We don't need to deploy WAR files.</a:t>
+            </a:r>
+          </a:p>
+          <a:p>
+            <a:r>
+              <a:rPr lang="en-US" dirty="0"/>
+              <a:t>It provides opinionated '</a:t>
+            </a:r>
+            <a:r>
+              <a:rPr lang="en-US" b="1" dirty="0"/>
+              <a:t>starter</a:t>
+            </a:r>
+            <a:r>
+              <a:rPr lang="en-US" dirty="0"/>
+              <a:t>' POMs to simplify our Maven configuration.</a:t>
+            </a:r>
+          </a:p>
+          <a:p>
+            <a:r>
+              <a:rPr lang="en-US" dirty="0"/>
+              <a:t>It provides </a:t>
+            </a:r>
+            <a:r>
+              <a:rPr lang="en-US" b="1" dirty="0"/>
+              <a:t>production-ready</a:t>
+            </a:r>
+            <a:r>
+              <a:rPr lang="en-US" dirty="0"/>
+              <a:t> features such as </a:t>
+            </a:r>
+            <a:r>
+              <a:rPr lang="en-US" b="1" dirty="0"/>
+              <a:t>metrics, health checks,</a:t>
+            </a:r>
+            <a:r>
+              <a:rPr lang="en-US" dirty="0"/>
+              <a:t> and </a:t>
+            </a:r>
+            <a:r>
+              <a:rPr lang="en-US" b="1" dirty="0"/>
+              <a:t>externalized configuration</a:t>
+            </a:r>
+            <a:r>
+              <a:rPr lang="en-US" dirty="0"/>
+              <a:t>.</a:t>
+            </a:r>
+          </a:p>
+          <a:p>
+            <a:r>
+              <a:rPr lang="en-US" dirty="0"/>
+              <a:t>There is no requirement for </a:t>
+            </a:r>
+            <a:r>
+              <a:rPr lang="en-US" b="1" dirty="0"/>
+              <a:t>XML</a:t>
+            </a:r>
+            <a:r>
+              <a:rPr lang="en-US" dirty="0"/>
+              <a:t> configuration.</a:t>
+            </a:r>
+          </a:p>
+          <a:p>
+            <a:r>
+              <a:rPr lang="en-US" dirty="0"/>
+              <a:t>It offers a </a:t>
+            </a:r>
+            <a:r>
+              <a:rPr lang="en-US" b="1" dirty="0"/>
+              <a:t>CLI</a:t>
+            </a:r>
+            <a:r>
+              <a:rPr lang="en-US" dirty="0"/>
+              <a:t> tool for developing and testing the Spring Boot application.</a:t>
+            </a:r>
+          </a:p>
+          <a:p>
+            <a:r>
+              <a:rPr lang="en-US" dirty="0"/>
+              <a:t>It offers the number of </a:t>
+            </a:r>
+            <a:r>
+              <a:rPr lang="en-US" b="1" dirty="0"/>
+              <a:t>plug-ins</a:t>
+            </a:r>
+            <a:r>
+              <a:rPr lang="en-US" dirty="0"/>
+              <a:t>.</a:t>
+            </a:r>
+          </a:p>
+          <a:p>
+            <a:r>
+              <a:rPr lang="en-US" dirty="0"/>
+              <a:t>It also minimizes writing multiple </a:t>
+            </a:r>
+            <a:r>
+              <a:rPr lang="en-US" b="1" dirty="0"/>
+              <a:t>boilerplate codes</a:t>
+            </a:r>
+            <a:r>
+              <a:rPr lang="en-US" dirty="0"/>
+              <a:t> (the code that has to be included in many places with little or no alteration), XML configuration, and annotations.</a:t>
+            </a:r>
+          </a:p>
+          <a:p>
+            <a:r>
+              <a:rPr lang="en-US" dirty="0"/>
+              <a:t>It </a:t>
+            </a:r>
+            <a:r>
+              <a:rPr lang="en-US" b="1" dirty="0"/>
+              <a:t>increases productivity</a:t>
+            </a:r>
+            <a:r>
+              <a:rPr lang="en-US" dirty="0"/>
+              <a:t> and reduces development time.</a:t>
+            </a:r>
+          </a:p>
+          <a:p>
+            <a:endParaRPr lang="en-US" dirty="0"/>
+          </a:p>
+        </p:txBody>
+      </p:sp>
+    </p:spTree>
+    <p:extLst>
+      <p:ext uri="{BB962C8B-B14F-4D97-AF65-F5344CB8AC3E}">
+        <p14:creationId xmlns:p14="http://schemas.microsoft.com/office/powerpoint/2010/main" val="3487808434"/>
+      </p:ext>
+    </p:extLst>
+  </p:cSld>
+  <p:clrMapOvr>
+    <a:masterClrMapping/>
+  </p:clrMapOvr>
+</p:sld>
+</file>
+
+<file path=ppt/slides/slide18.xml><?xml version="1.0" encoding="utf-8"?>
+<p:sld xmlns:a="http://schemas.openxmlformats.org/drawingml/2006/main" xmlns:r="http://schemas.openxmlformats.org/officeDocument/2006/relationships" xmlns:p="http://schemas.openxmlformats.org/presentationml/2006/main">
+  <p:cSld>
+    <p:spTree>
+      <p:nvGrpSpPr>
+        <p:cNvPr id="1" name=""/>
+        <p:cNvGrpSpPr/>
+        <p:nvPr/>
+      </p:nvGrpSpPr>
+      <p:grpSpPr>
+        <a:xfrm>
+          <a:off x="0" y="0"/>
+          <a:ext cx="0" cy="0"/>
+          <a:chOff x="0" y="0"/>
+          <a:chExt cx="0" cy="0"/>
+        </a:xfrm>
+      </p:grpSpPr>
+      <p:sp>
+        <p:nvSpPr>
+          <p:cNvPr id="2" name="Title 1">
+            <a:extLst>
+              <a:ext uri="{FF2B5EF4-FFF2-40B4-BE49-F238E27FC236}">
+                <a16:creationId xmlns:a16="http://schemas.microsoft.com/office/drawing/2014/main" id="{E1A9363A-F999-4F1C-A157-8DDECEB7BD31}"/>
+              </a:ext>
+            </a:extLst>
+          </p:cNvPr>
+          <p:cNvSpPr>
+            <a:spLocks noGrp="1"/>
+          </p:cNvSpPr>
+          <p:nvPr>
+            <p:ph type="title"/>
+          </p:nvPr>
+        </p:nvSpPr>
+        <p:spPr/>
+        <p:txBody>
+          <a:bodyPr/>
+          <a:lstStyle/>
+          <a:p>
+            <a:r>
+              <a:rPr lang="en-US" dirty="0"/>
+              <a:t>Spring Boot</a:t>
+            </a:r>
+            <a:br>
+              <a:rPr lang="en-US" dirty="0"/>
+            </a:br>
+            <a:endParaRPr lang="en-US" dirty="0"/>
+          </a:p>
+        </p:txBody>
+      </p:sp>
+      <p:sp>
+        <p:nvSpPr>
+          <p:cNvPr id="4" name="Content Placeholder 3">
+            <a:extLst>
+              <a:ext uri="{FF2B5EF4-FFF2-40B4-BE49-F238E27FC236}">
+                <a16:creationId xmlns:a16="http://schemas.microsoft.com/office/drawing/2014/main" id="{9AA34AB3-D733-4DB6-90BC-691DFFA5C673}"/>
+              </a:ext>
+            </a:extLst>
+          </p:cNvPr>
+          <p:cNvSpPr>
+            <a:spLocks noGrp="1"/>
+          </p:cNvSpPr>
+          <p:nvPr>
+            <p:ph idx="1"/>
+          </p:nvPr>
+        </p:nvSpPr>
+        <p:spPr>
+          <a:xfrm>
+            <a:off x="611957" y="1825624"/>
+            <a:ext cx="10515600" cy="4351338"/>
+          </a:xfrm>
+        </p:spPr>
+        <p:txBody>
+          <a:bodyPr>
+            <a:normAutofit fontScale="85000" lnSpcReduction="20000"/>
+          </a:bodyPr>
+          <a:lstStyle/>
+          <a:p>
+            <a:r>
+              <a:rPr lang="en-US" dirty="0"/>
+              <a:t>Limitations of Spring Boot</a:t>
+            </a:r>
+          </a:p>
+          <a:p>
+            <a:r>
+              <a:rPr lang="en-US" dirty="0"/>
+              <a:t>Spring Boot can use dependencies that are not going to be used in the application. These dependencies increase the size of the application.</a:t>
+            </a:r>
+          </a:p>
+          <a:p>
+            <a:r>
+              <a:rPr lang="en-US" dirty="0"/>
+              <a:t>Goals of Spring Boot</a:t>
+            </a:r>
+          </a:p>
+          <a:p>
+            <a:r>
+              <a:rPr lang="en-US" dirty="0"/>
+              <a:t>The main goal of Spring Boot is to reduce </a:t>
+            </a:r>
+            <a:r>
+              <a:rPr lang="en-US" b="1" dirty="0"/>
+              <a:t>development, unit test,</a:t>
+            </a:r>
+            <a:r>
+              <a:rPr lang="en-US" dirty="0"/>
+              <a:t> and </a:t>
+            </a:r>
+            <a:r>
+              <a:rPr lang="en-US" b="1" dirty="0"/>
+              <a:t>integration test</a:t>
+            </a:r>
+            <a:r>
+              <a:rPr lang="en-US" dirty="0"/>
+              <a:t> time.</a:t>
+            </a:r>
+          </a:p>
+          <a:p>
+            <a:r>
+              <a:rPr lang="en-US" dirty="0"/>
+              <a:t>Provides Opinionated Development approach</a:t>
+            </a:r>
+          </a:p>
+          <a:p>
+            <a:r>
+              <a:rPr lang="en-US" dirty="0"/>
+              <a:t>Avoids defining more Annotation Configuration</a:t>
+            </a:r>
+          </a:p>
+          <a:p>
+            <a:r>
+              <a:rPr lang="en-US" dirty="0"/>
+              <a:t>Avoids writing lots of import statements</a:t>
+            </a:r>
+          </a:p>
+          <a:p>
+            <a:r>
+              <a:rPr lang="en-US" dirty="0"/>
+              <a:t>Avoids XML Configuration.</a:t>
+            </a:r>
+          </a:p>
+          <a:p>
+            <a:r>
+              <a:rPr lang="en-US" dirty="0"/>
+              <a:t>By providing or avoiding the above points, Spring Boot Framework reduces </a:t>
+            </a:r>
+            <a:r>
+              <a:rPr lang="en-US" b="1" dirty="0"/>
+              <a:t>Development time, Developer Effort,</a:t>
+            </a:r>
+            <a:r>
+              <a:rPr lang="en-US" dirty="0"/>
+              <a:t> and </a:t>
+            </a:r>
+            <a:r>
+              <a:rPr lang="en-US" b="1" dirty="0"/>
+              <a:t>increases productivity</a:t>
+            </a:r>
+            <a:r>
+              <a:rPr lang="en-US" dirty="0"/>
+              <a:t>.</a:t>
+            </a:r>
+          </a:p>
+          <a:p>
+            <a:endParaRPr lang="en-US" dirty="0"/>
+          </a:p>
+        </p:txBody>
+      </p:sp>
+    </p:spTree>
+    <p:extLst>
+      <p:ext uri="{BB962C8B-B14F-4D97-AF65-F5344CB8AC3E}">
+        <p14:creationId xmlns:p14="http://schemas.microsoft.com/office/powerpoint/2010/main" val="3813237032"/>
+      </p:ext>
+    </p:extLst>
+  </p:cSld>
+  <p:clrMapOvr>
+    <a:masterClrMapping/>
+  </p:clrMapOvr>
+</p:sld>
+</file>
+
+<file path=ppt/slides/slide19.xml><?xml version="1.0" encoding="utf-8"?>
+<p:sld xmlns:a="http://schemas.openxmlformats.org/drawingml/2006/main" xmlns:r="http://schemas.openxmlformats.org/officeDocument/2006/relationships" xmlns:p="http://schemas.openxmlformats.org/presentationml/2006/main">
+  <p:cSld>
+    <p:spTree>
+      <p:nvGrpSpPr>
+        <p:cNvPr id="1" name=""/>
+        <p:cNvGrpSpPr/>
+        <p:nvPr/>
+      </p:nvGrpSpPr>
+      <p:grpSpPr>
+        <a:xfrm>
+          <a:off x="0" y="0"/>
+          <a:ext cx="0" cy="0"/>
+          <a:chOff x="0" y="0"/>
+          <a:chExt cx="0" cy="0"/>
+        </a:xfrm>
+      </p:grpSpPr>
+      <p:sp>
+        <p:nvSpPr>
+          <p:cNvPr id="2" name="Title 1">
+            <a:extLst>
+              <a:ext uri="{FF2B5EF4-FFF2-40B4-BE49-F238E27FC236}">
+                <a16:creationId xmlns:a16="http://schemas.microsoft.com/office/drawing/2014/main" id="{E1A9363A-F999-4F1C-A157-8DDECEB7BD31}"/>
+              </a:ext>
+            </a:extLst>
+          </p:cNvPr>
+          <p:cNvSpPr>
+            <a:spLocks noGrp="1"/>
+          </p:cNvSpPr>
+          <p:nvPr>
+            <p:ph type="title"/>
+          </p:nvPr>
+        </p:nvSpPr>
         <p:spPr>
           <a:xfrm>
             <a:off x="838200" y="365125"/>
@@ -4647,6 +5759,13 @@
           </a:p>
           <a:p>
             <a:pPr algn="just"/>
+            <a:r>
+              <a:rPr lang="en-IN" dirty="0"/>
+              <a:t>Introduction to Spring Boot</a:t>
+            </a:r>
+          </a:p>
+          <a:p>
+            <a:pPr algn="just"/>
             <a:endParaRPr lang="en-IN" dirty="0"/>
           </a:p>
           <a:p>
@@ -4738,7 +5857,7 @@
           <a:p>
             <a:r>
               <a:rPr lang="en-IN" dirty="0"/>
-              <a:t>Learn and explore Spring</a:t>
+              <a:t>Learn and explore Spring and Spring Boot</a:t>
             </a:r>
           </a:p>
           <a:p>
